--- a/ppt 16-9/1566.真爱在呼唤.pptx
+++ b/ppt 16-9/1566.真爱在呼唤.pptx
@@ -129,7 +129,7 @@
           <p:cNvPr id="2" name="标题 1">
             <a:extLst>
               <a:ext uri="{FF2B5EF4-FFF2-40B4-BE49-F238E27FC236}">
-                <a16:creationId xmlns:a16="http://schemas.microsoft.com/office/drawing/2014/main" id="{12D74CD2-E396-353A-9053-4E4F63B9E666}"/>
+                <a16:creationId xmlns:a16="http://schemas.microsoft.com/office/drawing/2014/main" id="{E3F9F8DA-0BB9-E8BF-F067-0E0257A54F4C}"/>
               </a:ext>
             </a:extLst>
           </p:cNvPr>
@@ -166,7 +166,7 @@
           <p:cNvPr id="3" name="副标题 2">
             <a:extLst>
               <a:ext uri="{FF2B5EF4-FFF2-40B4-BE49-F238E27FC236}">
-                <a16:creationId xmlns:a16="http://schemas.microsoft.com/office/drawing/2014/main" id="{0F2C0655-AF54-B2E7-2204-10C622250DEA}"/>
+                <a16:creationId xmlns:a16="http://schemas.microsoft.com/office/drawing/2014/main" id="{8C8C6A0E-973D-5F94-5E57-7087F98076D7}"/>
               </a:ext>
             </a:extLst>
           </p:cNvPr>
@@ -236,7 +236,7 @@
           <p:cNvPr id="4" name="日期占位符 3">
             <a:extLst>
               <a:ext uri="{FF2B5EF4-FFF2-40B4-BE49-F238E27FC236}">
-                <a16:creationId xmlns:a16="http://schemas.microsoft.com/office/drawing/2014/main" id="{CF6FE763-E766-87F5-FB13-47F7F36C54D1}"/>
+                <a16:creationId xmlns:a16="http://schemas.microsoft.com/office/drawing/2014/main" id="{E706313C-B706-1EA9-41E5-D0162C0EC9F6}"/>
               </a:ext>
             </a:extLst>
           </p:cNvPr>
@@ -252,7 +252,7 @@
           <a:bodyPr/>
           <a:lstStyle/>
           <a:p>
-            <a:fld id="{1B9A9F7C-0BC1-443B-B088-F2EC4388E818}" type="datetimeFigureOut">
+            <a:fld id="{521D7A2A-DA2A-4E06-AA02-5638010B78FC}" type="datetimeFigureOut">
               <a:rPr lang="zh-CN" altLang="en-US" smtClean="0"/>
               <a:t>2024/3/10</a:t>
             </a:fld>
@@ -265,7 +265,7 @@
           <p:cNvPr id="5" name="页脚占位符 4">
             <a:extLst>
               <a:ext uri="{FF2B5EF4-FFF2-40B4-BE49-F238E27FC236}">
-                <a16:creationId xmlns:a16="http://schemas.microsoft.com/office/drawing/2014/main" id="{4E88050B-A16D-7516-CD2D-40B96677BA63}"/>
+                <a16:creationId xmlns:a16="http://schemas.microsoft.com/office/drawing/2014/main" id="{FF279160-76E0-1F81-E376-429AAE401995}"/>
               </a:ext>
             </a:extLst>
           </p:cNvPr>
@@ -290,7 +290,7 @@
           <p:cNvPr id="6" name="灯片编号占位符 5">
             <a:extLst>
               <a:ext uri="{FF2B5EF4-FFF2-40B4-BE49-F238E27FC236}">
-                <a16:creationId xmlns:a16="http://schemas.microsoft.com/office/drawing/2014/main" id="{AC592309-EC50-B37F-4A1A-631B299AAD9C}"/>
+                <a16:creationId xmlns:a16="http://schemas.microsoft.com/office/drawing/2014/main" id="{54B34D8C-FCDF-7044-762C-3964D097C152}"/>
               </a:ext>
             </a:extLst>
           </p:cNvPr>
@@ -306,7 +306,7 @@
           <a:bodyPr/>
           <a:lstStyle/>
           <a:p>
-            <a:fld id="{C42EB9C8-295E-4521-98A9-E4B1686B1798}" type="slidenum">
+            <a:fld id="{0AA4AEFB-3C10-4E06-ADE3-2EE48D13F220}" type="slidenum">
               <a:rPr lang="zh-CN" altLang="en-US" smtClean="0"/>
               <a:t>‹#›</a:t>
             </a:fld>
@@ -317,7 +317,7 @@
     </p:spTree>
     <p:extLst>
       <p:ext uri="{BB962C8B-B14F-4D97-AF65-F5344CB8AC3E}">
-        <p14:creationId xmlns:p14="http://schemas.microsoft.com/office/powerpoint/2010/main" val="923543958"/>
+        <p14:creationId xmlns:p14="http://schemas.microsoft.com/office/powerpoint/2010/main" val="62501823"/>
       </p:ext>
     </p:extLst>
   </p:cSld>
@@ -349,7 +349,7 @@
           <p:cNvPr id="2" name="标题 1">
             <a:extLst>
               <a:ext uri="{FF2B5EF4-FFF2-40B4-BE49-F238E27FC236}">
-                <a16:creationId xmlns:a16="http://schemas.microsoft.com/office/drawing/2014/main" id="{5D6AAEB4-67D0-BE1D-C3EC-6AA70C82F413}"/>
+                <a16:creationId xmlns:a16="http://schemas.microsoft.com/office/drawing/2014/main" id="{1188A85A-29AB-7B99-ED57-7372A64AA8D2}"/>
               </a:ext>
             </a:extLst>
           </p:cNvPr>
@@ -377,7 +377,7 @@
           <p:cNvPr id="3" name="竖排文字占位符 2">
             <a:extLst>
               <a:ext uri="{FF2B5EF4-FFF2-40B4-BE49-F238E27FC236}">
-                <a16:creationId xmlns:a16="http://schemas.microsoft.com/office/drawing/2014/main" id="{DDB935B0-7900-2505-B8DF-5A47B8001753}"/>
+                <a16:creationId xmlns:a16="http://schemas.microsoft.com/office/drawing/2014/main" id="{1AE8B821-8C15-F5AD-97DF-63E2DAF195A1}"/>
               </a:ext>
             </a:extLst>
           </p:cNvPr>
@@ -434,7 +434,7 @@
           <p:cNvPr id="4" name="日期占位符 3">
             <a:extLst>
               <a:ext uri="{FF2B5EF4-FFF2-40B4-BE49-F238E27FC236}">
-                <a16:creationId xmlns:a16="http://schemas.microsoft.com/office/drawing/2014/main" id="{D522F6FE-C4A1-895D-18CB-7B84182375D1}"/>
+                <a16:creationId xmlns:a16="http://schemas.microsoft.com/office/drawing/2014/main" id="{5C7CF5DC-EB37-BCEC-9D17-AA81F0A204DD}"/>
               </a:ext>
             </a:extLst>
           </p:cNvPr>
@@ -450,7 +450,7 @@
           <a:bodyPr/>
           <a:lstStyle/>
           <a:p>
-            <a:fld id="{1B9A9F7C-0BC1-443B-B088-F2EC4388E818}" type="datetimeFigureOut">
+            <a:fld id="{521D7A2A-DA2A-4E06-AA02-5638010B78FC}" type="datetimeFigureOut">
               <a:rPr lang="zh-CN" altLang="en-US" smtClean="0"/>
               <a:t>2024/3/10</a:t>
             </a:fld>
@@ -463,7 +463,7 @@
           <p:cNvPr id="5" name="页脚占位符 4">
             <a:extLst>
               <a:ext uri="{FF2B5EF4-FFF2-40B4-BE49-F238E27FC236}">
-                <a16:creationId xmlns:a16="http://schemas.microsoft.com/office/drawing/2014/main" id="{4A1CB201-67A5-A6E6-0BA7-540A5718B093}"/>
+                <a16:creationId xmlns:a16="http://schemas.microsoft.com/office/drawing/2014/main" id="{C4DBD9CC-C10F-B3E4-2AC1-0852FD964B6B}"/>
               </a:ext>
             </a:extLst>
           </p:cNvPr>
@@ -488,7 +488,7 @@
           <p:cNvPr id="6" name="灯片编号占位符 5">
             <a:extLst>
               <a:ext uri="{FF2B5EF4-FFF2-40B4-BE49-F238E27FC236}">
-                <a16:creationId xmlns:a16="http://schemas.microsoft.com/office/drawing/2014/main" id="{BB612CE5-C0A0-D49B-3DF7-20C39A8F4E5D}"/>
+                <a16:creationId xmlns:a16="http://schemas.microsoft.com/office/drawing/2014/main" id="{668B8AC3-BEE7-16CA-5F8B-849C6E637CE5}"/>
               </a:ext>
             </a:extLst>
           </p:cNvPr>
@@ -504,7 +504,7 @@
           <a:bodyPr/>
           <a:lstStyle/>
           <a:p>
-            <a:fld id="{C42EB9C8-295E-4521-98A9-E4B1686B1798}" type="slidenum">
+            <a:fld id="{0AA4AEFB-3C10-4E06-ADE3-2EE48D13F220}" type="slidenum">
               <a:rPr lang="zh-CN" altLang="en-US" smtClean="0"/>
               <a:t>‹#›</a:t>
             </a:fld>
@@ -515,7 +515,7 @@
     </p:spTree>
     <p:extLst>
       <p:ext uri="{BB962C8B-B14F-4D97-AF65-F5344CB8AC3E}">
-        <p14:creationId xmlns:p14="http://schemas.microsoft.com/office/powerpoint/2010/main" val="1071136048"/>
+        <p14:creationId xmlns:p14="http://schemas.microsoft.com/office/powerpoint/2010/main" val="1751852759"/>
       </p:ext>
     </p:extLst>
   </p:cSld>
@@ -547,7 +547,7 @@
           <p:cNvPr id="2" name="竖排标题 1">
             <a:extLst>
               <a:ext uri="{FF2B5EF4-FFF2-40B4-BE49-F238E27FC236}">
-                <a16:creationId xmlns:a16="http://schemas.microsoft.com/office/drawing/2014/main" id="{C080F67E-CF8A-79EE-75E5-D587F667E982}"/>
+                <a16:creationId xmlns:a16="http://schemas.microsoft.com/office/drawing/2014/main" id="{F4646052-215E-FA54-302C-EA56BBA836D0}"/>
               </a:ext>
             </a:extLst>
           </p:cNvPr>
@@ -580,7 +580,7 @@
           <p:cNvPr id="3" name="竖排文字占位符 2">
             <a:extLst>
               <a:ext uri="{FF2B5EF4-FFF2-40B4-BE49-F238E27FC236}">
-                <a16:creationId xmlns:a16="http://schemas.microsoft.com/office/drawing/2014/main" id="{F2102498-28DC-A0E5-EE16-25891404EB41}"/>
+                <a16:creationId xmlns:a16="http://schemas.microsoft.com/office/drawing/2014/main" id="{A9E8AC5F-157C-8B98-CFB1-143A8D4060AE}"/>
               </a:ext>
             </a:extLst>
           </p:cNvPr>
@@ -642,7 +642,7 @@
           <p:cNvPr id="4" name="日期占位符 3">
             <a:extLst>
               <a:ext uri="{FF2B5EF4-FFF2-40B4-BE49-F238E27FC236}">
-                <a16:creationId xmlns:a16="http://schemas.microsoft.com/office/drawing/2014/main" id="{4C56348B-3112-9E01-5544-D0FC87B0E71A}"/>
+                <a16:creationId xmlns:a16="http://schemas.microsoft.com/office/drawing/2014/main" id="{69F76781-B596-E8B7-DBF3-461B6BBEE59F}"/>
               </a:ext>
             </a:extLst>
           </p:cNvPr>
@@ -658,7 +658,7 @@
           <a:bodyPr/>
           <a:lstStyle/>
           <a:p>
-            <a:fld id="{1B9A9F7C-0BC1-443B-B088-F2EC4388E818}" type="datetimeFigureOut">
+            <a:fld id="{521D7A2A-DA2A-4E06-AA02-5638010B78FC}" type="datetimeFigureOut">
               <a:rPr lang="zh-CN" altLang="en-US" smtClean="0"/>
               <a:t>2024/3/10</a:t>
             </a:fld>
@@ -671,7 +671,7 @@
           <p:cNvPr id="5" name="页脚占位符 4">
             <a:extLst>
               <a:ext uri="{FF2B5EF4-FFF2-40B4-BE49-F238E27FC236}">
-                <a16:creationId xmlns:a16="http://schemas.microsoft.com/office/drawing/2014/main" id="{74F79BB5-B9D5-0C6D-F526-C788060DD85C}"/>
+                <a16:creationId xmlns:a16="http://schemas.microsoft.com/office/drawing/2014/main" id="{7D3673DC-EF42-0531-F988-AEF5901F76AB}"/>
               </a:ext>
             </a:extLst>
           </p:cNvPr>
@@ -696,7 +696,7 @@
           <p:cNvPr id="6" name="灯片编号占位符 5">
             <a:extLst>
               <a:ext uri="{FF2B5EF4-FFF2-40B4-BE49-F238E27FC236}">
-                <a16:creationId xmlns:a16="http://schemas.microsoft.com/office/drawing/2014/main" id="{7C6579BE-550E-4F36-7510-DE47F6CF82CF}"/>
+                <a16:creationId xmlns:a16="http://schemas.microsoft.com/office/drawing/2014/main" id="{CC72BE33-ADA2-1EA5-7E2D-4570B1B5CFFA}"/>
               </a:ext>
             </a:extLst>
           </p:cNvPr>
@@ -712,7 +712,7 @@
           <a:bodyPr/>
           <a:lstStyle/>
           <a:p>
-            <a:fld id="{C42EB9C8-295E-4521-98A9-E4B1686B1798}" type="slidenum">
+            <a:fld id="{0AA4AEFB-3C10-4E06-ADE3-2EE48D13F220}" type="slidenum">
               <a:rPr lang="zh-CN" altLang="en-US" smtClean="0"/>
               <a:t>‹#›</a:t>
             </a:fld>
@@ -723,7 +723,7 @@
     </p:spTree>
     <p:extLst>
       <p:ext uri="{BB962C8B-B14F-4D97-AF65-F5344CB8AC3E}">
-        <p14:creationId xmlns:p14="http://schemas.microsoft.com/office/powerpoint/2010/main" val="3254684385"/>
+        <p14:creationId xmlns:p14="http://schemas.microsoft.com/office/powerpoint/2010/main" val="1698619363"/>
       </p:ext>
     </p:extLst>
   </p:cSld>
@@ -755,7 +755,7 @@
           <p:cNvPr id="2" name="标题 1">
             <a:extLst>
               <a:ext uri="{FF2B5EF4-FFF2-40B4-BE49-F238E27FC236}">
-                <a16:creationId xmlns:a16="http://schemas.microsoft.com/office/drawing/2014/main" id="{2F4B22F2-D4B2-ED35-A815-D433135583A6}"/>
+                <a16:creationId xmlns:a16="http://schemas.microsoft.com/office/drawing/2014/main" id="{056DEF2E-6431-D15D-9401-EA816716A200}"/>
               </a:ext>
             </a:extLst>
           </p:cNvPr>
@@ -783,7 +783,7 @@
           <p:cNvPr id="3" name="内容占位符 2">
             <a:extLst>
               <a:ext uri="{FF2B5EF4-FFF2-40B4-BE49-F238E27FC236}">
-                <a16:creationId xmlns:a16="http://schemas.microsoft.com/office/drawing/2014/main" id="{32750894-AF24-FEC5-FE3B-2A22A7A07561}"/>
+                <a16:creationId xmlns:a16="http://schemas.microsoft.com/office/drawing/2014/main" id="{1169EC4C-58F8-4DD9-D288-EA8456FA41E6}"/>
               </a:ext>
             </a:extLst>
           </p:cNvPr>
@@ -840,7 +840,7 @@
           <p:cNvPr id="4" name="日期占位符 3">
             <a:extLst>
               <a:ext uri="{FF2B5EF4-FFF2-40B4-BE49-F238E27FC236}">
-                <a16:creationId xmlns:a16="http://schemas.microsoft.com/office/drawing/2014/main" id="{1205FB08-DADA-F19E-3064-1F20DFDF0FB9}"/>
+                <a16:creationId xmlns:a16="http://schemas.microsoft.com/office/drawing/2014/main" id="{3A0809EB-DA84-9A5D-697C-0218CA25C17B}"/>
               </a:ext>
             </a:extLst>
           </p:cNvPr>
@@ -856,7 +856,7 @@
           <a:bodyPr/>
           <a:lstStyle/>
           <a:p>
-            <a:fld id="{1B9A9F7C-0BC1-443B-B088-F2EC4388E818}" type="datetimeFigureOut">
+            <a:fld id="{521D7A2A-DA2A-4E06-AA02-5638010B78FC}" type="datetimeFigureOut">
               <a:rPr lang="zh-CN" altLang="en-US" smtClean="0"/>
               <a:t>2024/3/10</a:t>
             </a:fld>
@@ -869,7 +869,7 @@
           <p:cNvPr id="5" name="页脚占位符 4">
             <a:extLst>
               <a:ext uri="{FF2B5EF4-FFF2-40B4-BE49-F238E27FC236}">
-                <a16:creationId xmlns:a16="http://schemas.microsoft.com/office/drawing/2014/main" id="{545CCD7F-4FF9-2C17-A945-FAB6B43F0687}"/>
+                <a16:creationId xmlns:a16="http://schemas.microsoft.com/office/drawing/2014/main" id="{0764FA86-8325-B223-E6FE-5153CA6D9D7B}"/>
               </a:ext>
             </a:extLst>
           </p:cNvPr>
@@ -894,7 +894,7 @@
           <p:cNvPr id="6" name="灯片编号占位符 5">
             <a:extLst>
               <a:ext uri="{FF2B5EF4-FFF2-40B4-BE49-F238E27FC236}">
-                <a16:creationId xmlns:a16="http://schemas.microsoft.com/office/drawing/2014/main" id="{2F64935A-0053-5ACD-6B91-71CD38B317D7}"/>
+                <a16:creationId xmlns:a16="http://schemas.microsoft.com/office/drawing/2014/main" id="{162EAF9A-0ED9-E48E-C704-A7B14BD42E1E}"/>
               </a:ext>
             </a:extLst>
           </p:cNvPr>
@@ -910,7 +910,7 @@
           <a:bodyPr/>
           <a:lstStyle/>
           <a:p>
-            <a:fld id="{C42EB9C8-295E-4521-98A9-E4B1686B1798}" type="slidenum">
+            <a:fld id="{0AA4AEFB-3C10-4E06-ADE3-2EE48D13F220}" type="slidenum">
               <a:rPr lang="zh-CN" altLang="en-US" smtClean="0"/>
               <a:t>‹#›</a:t>
             </a:fld>
@@ -921,7 +921,7 @@
     </p:spTree>
     <p:extLst>
       <p:ext uri="{BB962C8B-B14F-4D97-AF65-F5344CB8AC3E}">
-        <p14:creationId xmlns:p14="http://schemas.microsoft.com/office/powerpoint/2010/main" val="997121545"/>
+        <p14:creationId xmlns:p14="http://schemas.microsoft.com/office/powerpoint/2010/main" val="1202241198"/>
       </p:ext>
     </p:extLst>
   </p:cSld>
@@ -953,7 +953,7 @@
           <p:cNvPr id="2" name="标题 1">
             <a:extLst>
               <a:ext uri="{FF2B5EF4-FFF2-40B4-BE49-F238E27FC236}">
-                <a16:creationId xmlns:a16="http://schemas.microsoft.com/office/drawing/2014/main" id="{C9E68F10-8AD7-D846-1FBE-A9362EA84342}"/>
+                <a16:creationId xmlns:a16="http://schemas.microsoft.com/office/drawing/2014/main" id="{D01359B9-BAD8-E37C-E3EF-31FDB92E4CA4}"/>
               </a:ext>
             </a:extLst>
           </p:cNvPr>
@@ -990,7 +990,7 @@
           <p:cNvPr id="3" name="文本占位符 2">
             <a:extLst>
               <a:ext uri="{FF2B5EF4-FFF2-40B4-BE49-F238E27FC236}">
-                <a16:creationId xmlns:a16="http://schemas.microsoft.com/office/drawing/2014/main" id="{795A8C9C-E692-D727-4ED3-468A8A92286D}"/>
+                <a16:creationId xmlns:a16="http://schemas.microsoft.com/office/drawing/2014/main" id="{631819DD-6373-2B97-E21A-B30930DA932F}"/>
               </a:ext>
             </a:extLst>
           </p:cNvPr>
@@ -1115,7 +1115,7 @@
           <p:cNvPr id="4" name="日期占位符 3">
             <a:extLst>
               <a:ext uri="{FF2B5EF4-FFF2-40B4-BE49-F238E27FC236}">
-                <a16:creationId xmlns:a16="http://schemas.microsoft.com/office/drawing/2014/main" id="{928A4626-49A1-E549-E440-80B2B70C40F3}"/>
+                <a16:creationId xmlns:a16="http://schemas.microsoft.com/office/drawing/2014/main" id="{88DF0ED4-D275-E53A-696F-9B6FC5D4F842}"/>
               </a:ext>
             </a:extLst>
           </p:cNvPr>
@@ -1131,7 +1131,7 @@
           <a:bodyPr/>
           <a:lstStyle/>
           <a:p>
-            <a:fld id="{1B9A9F7C-0BC1-443B-B088-F2EC4388E818}" type="datetimeFigureOut">
+            <a:fld id="{521D7A2A-DA2A-4E06-AA02-5638010B78FC}" type="datetimeFigureOut">
               <a:rPr lang="zh-CN" altLang="en-US" smtClean="0"/>
               <a:t>2024/3/10</a:t>
             </a:fld>
@@ -1144,7 +1144,7 @@
           <p:cNvPr id="5" name="页脚占位符 4">
             <a:extLst>
               <a:ext uri="{FF2B5EF4-FFF2-40B4-BE49-F238E27FC236}">
-                <a16:creationId xmlns:a16="http://schemas.microsoft.com/office/drawing/2014/main" id="{2AEFFB3B-3BB0-AC2C-9FB7-0E36A59D99C9}"/>
+                <a16:creationId xmlns:a16="http://schemas.microsoft.com/office/drawing/2014/main" id="{B797D39D-6AE2-B735-5F02-D5261C2F45CA}"/>
               </a:ext>
             </a:extLst>
           </p:cNvPr>
@@ -1169,7 +1169,7 @@
           <p:cNvPr id="6" name="灯片编号占位符 5">
             <a:extLst>
               <a:ext uri="{FF2B5EF4-FFF2-40B4-BE49-F238E27FC236}">
-                <a16:creationId xmlns:a16="http://schemas.microsoft.com/office/drawing/2014/main" id="{0774033A-BB99-41E3-C055-9B904F9F2E2E}"/>
+                <a16:creationId xmlns:a16="http://schemas.microsoft.com/office/drawing/2014/main" id="{BC35B900-6F0E-F113-379A-CF8146D47B61}"/>
               </a:ext>
             </a:extLst>
           </p:cNvPr>
@@ -1185,7 +1185,7 @@
           <a:bodyPr/>
           <a:lstStyle/>
           <a:p>
-            <a:fld id="{C42EB9C8-295E-4521-98A9-E4B1686B1798}" type="slidenum">
+            <a:fld id="{0AA4AEFB-3C10-4E06-ADE3-2EE48D13F220}" type="slidenum">
               <a:rPr lang="zh-CN" altLang="en-US" smtClean="0"/>
               <a:t>‹#›</a:t>
             </a:fld>
@@ -1196,7 +1196,7 @@
     </p:spTree>
     <p:extLst>
       <p:ext uri="{BB962C8B-B14F-4D97-AF65-F5344CB8AC3E}">
-        <p14:creationId xmlns:p14="http://schemas.microsoft.com/office/powerpoint/2010/main" val="590616940"/>
+        <p14:creationId xmlns:p14="http://schemas.microsoft.com/office/powerpoint/2010/main" val="1723844577"/>
       </p:ext>
     </p:extLst>
   </p:cSld>
@@ -1228,7 +1228,7 @@
           <p:cNvPr id="2" name="标题 1">
             <a:extLst>
               <a:ext uri="{FF2B5EF4-FFF2-40B4-BE49-F238E27FC236}">
-                <a16:creationId xmlns:a16="http://schemas.microsoft.com/office/drawing/2014/main" id="{EEF81333-29A7-695E-EFBF-61D56B49AFC4}"/>
+                <a16:creationId xmlns:a16="http://schemas.microsoft.com/office/drawing/2014/main" id="{93A3745A-657F-D493-FEDC-4D4B71281451}"/>
               </a:ext>
             </a:extLst>
           </p:cNvPr>
@@ -1256,7 +1256,7 @@
           <p:cNvPr id="3" name="内容占位符 2">
             <a:extLst>
               <a:ext uri="{FF2B5EF4-FFF2-40B4-BE49-F238E27FC236}">
-                <a16:creationId xmlns:a16="http://schemas.microsoft.com/office/drawing/2014/main" id="{0498972F-A6F4-DD3E-DB53-BC883FECA962}"/>
+                <a16:creationId xmlns:a16="http://schemas.microsoft.com/office/drawing/2014/main" id="{083832C9-A8D6-4203-EFAB-546C8E726DBD}"/>
               </a:ext>
             </a:extLst>
           </p:cNvPr>
@@ -1318,7 +1318,7 @@
           <p:cNvPr id="4" name="内容占位符 3">
             <a:extLst>
               <a:ext uri="{FF2B5EF4-FFF2-40B4-BE49-F238E27FC236}">
-                <a16:creationId xmlns:a16="http://schemas.microsoft.com/office/drawing/2014/main" id="{573040AB-2525-4D90-E8AF-B8BF92637201}"/>
+                <a16:creationId xmlns:a16="http://schemas.microsoft.com/office/drawing/2014/main" id="{17579BC8-D88B-E17D-F3B6-5BBCF6D61CB9}"/>
               </a:ext>
             </a:extLst>
           </p:cNvPr>
@@ -1380,7 +1380,7 @@
           <p:cNvPr id="5" name="日期占位符 4">
             <a:extLst>
               <a:ext uri="{FF2B5EF4-FFF2-40B4-BE49-F238E27FC236}">
-                <a16:creationId xmlns:a16="http://schemas.microsoft.com/office/drawing/2014/main" id="{EB98D625-C4CE-105C-DC00-A55AB803CA03}"/>
+                <a16:creationId xmlns:a16="http://schemas.microsoft.com/office/drawing/2014/main" id="{8A45F717-038A-687D-82DA-B5757F0F936A}"/>
               </a:ext>
             </a:extLst>
           </p:cNvPr>
@@ -1396,7 +1396,7 @@
           <a:bodyPr/>
           <a:lstStyle/>
           <a:p>
-            <a:fld id="{1B9A9F7C-0BC1-443B-B088-F2EC4388E818}" type="datetimeFigureOut">
+            <a:fld id="{521D7A2A-DA2A-4E06-AA02-5638010B78FC}" type="datetimeFigureOut">
               <a:rPr lang="zh-CN" altLang="en-US" smtClean="0"/>
               <a:t>2024/3/10</a:t>
             </a:fld>
@@ -1409,7 +1409,7 @@
           <p:cNvPr id="6" name="页脚占位符 5">
             <a:extLst>
               <a:ext uri="{FF2B5EF4-FFF2-40B4-BE49-F238E27FC236}">
-                <a16:creationId xmlns:a16="http://schemas.microsoft.com/office/drawing/2014/main" id="{B218F2F9-5CC2-3CC1-3E51-9CD48F5994C9}"/>
+                <a16:creationId xmlns:a16="http://schemas.microsoft.com/office/drawing/2014/main" id="{CE968363-7067-B5E5-23E9-9E67938C63A3}"/>
               </a:ext>
             </a:extLst>
           </p:cNvPr>
@@ -1434,7 +1434,7 @@
           <p:cNvPr id="7" name="灯片编号占位符 6">
             <a:extLst>
               <a:ext uri="{FF2B5EF4-FFF2-40B4-BE49-F238E27FC236}">
-                <a16:creationId xmlns:a16="http://schemas.microsoft.com/office/drawing/2014/main" id="{8BEE41AB-1FEA-8B41-EE3D-4AF784CAD0FA}"/>
+                <a16:creationId xmlns:a16="http://schemas.microsoft.com/office/drawing/2014/main" id="{D5F09BB8-8AD1-8A25-54DC-C105EBBDD1B5}"/>
               </a:ext>
             </a:extLst>
           </p:cNvPr>
@@ -1450,7 +1450,7 @@
           <a:bodyPr/>
           <a:lstStyle/>
           <a:p>
-            <a:fld id="{C42EB9C8-295E-4521-98A9-E4B1686B1798}" type="slidenum">
+            <a:fld id="{0AA4AEFB-3C10-4E06-ADE3-2EE48D13F220}" type="slidenum">
               <a:rPr lang="zh-CN" altLang="en-US" smtClean="0"/>
               <a:t>‹#›</a:t>
             </a:fld>
@@ -1461,7 +1461,7 @@
     </p:spTree>
     <p:extLst>
       <p:ext uri="{BB962C8B-B14F-4D97-AF65-F5344CB8AC3E}">
-        <p14:creationId xmlns:p14="http://schemas.microsoft.com/office/powerpoint/2010/main" val="3564449068"/>
+        <p14:creationId xmlns:p14="http://schemas.microsoft.com/office/powerpoint/2010/main" val="333232011"/>
       </p:ext>
     </p:extLst>
   </p:cSld>
@@ -1493,7 +1493,7 @@
           <p:cNvPr id="2" name="标题 1">
             <a:extLst>
               <a:ext uri="{FF2B5EF4-FFF2-40B4-BE49-F238E27FC236}">
-                <a16:creationId xmlns:a16="http://schemas.microsoft.com/office/drawing/2014/main" id="{52767BFA-7B86-FA8F-26F4-ADC86959D399}"/>
+                <a16:creationId xmlns:a16="http://schemas.microsoft.com/office/drawing/2014/main" id="{67D51246-A704-2222-26AE-195D255AB906}"/>
               </a:ext>
             </a:extLst>
           </p:cNvPr>
@@ -1526,7 +1526,7 @@
           <p:cNvPr id="3" name="文本占位符 2">
             <a:extLst>
               <a:ext uri="{FF2B5EF4-FFF2-40B4-BE49-F238E27FC236}">
-                <a16:creationId xmlns:a16="http://schemas.microsoft.com/office/drawing/2014/main" id="{6D007FF0-403A-43A2-738B-B93BC5CBE9DD}"/>
+                <a16:creationId xmlns:a16="http://schemas.microsoft.com/office/drawing/2014/main" id="{08C4F608-73BD-D364-EE64-6CE85788EB2B}"/>
               </a:ext>
             </a:extLst>
           </p:cNvPr>
@@ -1597,7 +1597,7 @@
           <p:cNvPr id="4" name="内容占位符 3">
             <a:extLst>
               <a:ext uri="{FF2B5EF4-FFF2-40B4-BE49-F238E27FC236}">
-                <a16:creationId xmlns:a16="http://schemas.microsoft.com/office/drawing/2014/main" id="{3CB1433F-AAC8-8DCE-23A4-6F26040F176B}"/>
+                <a16:creationId xmlns:a16="http://schemas.microsoft.com/office/drawing/2014/main" id="{FD8974C3-007E-904B-F135-6AE99E613A97}"/>
               </a:ext>
             </a:extLst>
           </p:cNvPr>
@@ -1659,7 +1659,7 @@
           <p:cNvPr id="5" name="文本占位符 4">
             <a:extLst>
               <a:ext uri="{FF2B5EF4-FFF2-40B4-BE49-F238E27FC236}">
-                <a16:creationId xmlns:a16="http://schemas.microsoft.com/office/drawing/2014/main" id="{F3BDAB4D-2CC0-6C1E-D451-D6F4CC9C2A71}"/>
+                <a16:creationId xmlns:a16="http://schemas.microsoft.com/office/drawing/2014/main" id="{F742C5AF-6477-0986-41E7-25CC69CDF2AD}"/>
               </a:ext>
             </a:extLst>
           </p:cNvPr>
@@ -1730,7 +1730,7 @@
           <p:cNvPr id="6" name="内容占位符 5">
             <a:extLst>
               <a:ext uri="{FF2B5EF4-FFF2-40B4-BE49-F238E27FC236}">
-                <a16:creationId xmlns:a16="http://schemas.microsoft.com/office/drawing/2014/main" id="{98585769-820A-EB60-8A19-E85D98DB46BC}"/>
+                <a16:creationId xmlns:a16="http://schemas.microsoft.com/office/drawing/2014/main" id="{26D4025A-0B05-4834-BF45-55F440DBE60A}"/>
               </a:ext>
             </a:extLst>
           </p:cNvPr>
@@ -1792,7 +1792,7 @@
           <p:cNvPr id="7" name="日期占位符 6">
             <a:extLst>
               <a:ext uri="{FF2B5EF4-FFF2-40B4-BE49-F238E27FC236}">
-                <a16:creationId xmlns:a16="http://schemas.microsoft.com/office/drawing/2014/main" id="{0364A729-F0CA-5F29-1EC0-6D7477E8519A}"/>
+                <a16:creationId xmlns:a16="http://schemas.microsoft.com/office/drawing/2014/main" id="{4CE8C124-2554-5094-A944-3A4FA8702E04}"/>
               </a:ext>
             </a:extLst>
           </p:cNvPr>
@@ -1808,7 +1808,7 @@
           <a:bodyPr/>
           <a:lstStyle/>
           <a:p>
-            <a:fld id="{1B9A9F7C-0BC1-443B-B088-F2EC4388E818}" type="datetimeFigureOut">
+            <a:fld id="{521D7A2A-DA2A-4E06-AA02-5638010B78FC}" type="datetimeFigureOut">
               <a:rPr lang="zh-CN" altLang="en-US" smtClean="0"/>
               <a:t>2024/3/10</a:t>
             </a:fld>
@@ -1821,7 +1821,7 @@
           <p:cNvPr id="8" name="页脚占位符 7">
             <a:extLst>
               <a:ext uri="{FF2B5EF4-FFF2-40B4-BE49-F238E27FC236}">
-                <a16:creationId xmlns:a16="http://schemas.microsoft.com/office/drawing/2014/main" id="{F51F3E22-9914-F39E-D796-A62530D82CF7}"/>
+                <a16:creationId xmlns:a16="http://schemas.microsoft.com/office/drawing/2014/main" id="{1EE9251C-7CDD-35FB-842F-C136AB647A5B}"/>
               </a:ext>
             </a:extLst>
           </p:cNvPr>
@@ -1846,7 +1846,7 @@
           <p:cNvPr id="9" name="灯片编号占位符 8">
             <a:extLst>
               <a:ext uri="{FF2B5EF4-FFF2-40B4-BE49-F238E27FC236}">
-                <a16:creationId xmlns:a16="http://schemas.microsoft.com/office/drawing/2014/main" id="{2FA48735-85B5-38E5-4568-EDB4A72C63A8}"/>
+                <a16:creationId xmlns:a16="http://schemas.microsoft.com/office/drawing/2014/main" id="{45196207-9CF7-47EA-2A98-16169807BF22}"/>
               </a:ext>
             </a:extLst>
           </p:cNvPr>
@@ -1862,7 +1862,7 @@
           <a:bodyPr/>
           <a:lstStyle/>
           <a:p>
-            <a:fld id="{C42EB9C8-295E-4521-98A9-E4B1686B1798}" type="slidenum">
+            <a:fld id="{0AA4AEFB-3C10-4E06-ADE3-2EE48D13F220}" type="slidenum">
               <a:rPr lang="zh-CN" altLang="en-US" smtClean="0"/>
               <a:t>‹#›</a:t>
             </a:fld>
@@ -1873,7 +1873,7 @@
     </p:spTree>
     <p:extLst>
       <p:ext uri="{BB962C8B-B14F-4D97-AF65-F5344CB8AC3E}">
-        <p14:creationId xmlns:p14="http://schemas.microsoft.com/office/powerpoint/2010/main" val="1672739036"/>
+        <p14:creationId xmlns:p14="http://schemas.microsoft.com/office/powerpoint/2010/main" val="3460064397"/>
       </p:ext>
     </p:extLst>
   </p:cSld>
@@ -1905,7 +1905,7 @@
           <p:cNvPr id="2" name="标题 1">
             <a:extLst>
               <a:ext uri="{FF2B5EF4-FFF2-40B4-BE49-F238E27FC236}">
-                <a16:creationId xmlns:a16="http://schemas.microsoft.com/office/drawing/2014/main" id="{91596F30-BE5B-C7FF-FAF7-301B542A1701}"/>
+                <a16:creationId xmlns:a16="http://schemas.microsoft.com/office/drawing/2014/main" id="{544DBC58-42FF-57FA-EED7-B02C1DF3F224}"/>
               </a:ext>
             </a:extLst>
           </p:cNvPr>
@@ -1933,7 +1933,7 @@
           <p:cNvPr id="3" name="日期占位符 2">
             <a:extLst>
               <a:ext uri="{FF2B5EF4-FFF2-40B4-BE49-F238E27FC236}">
-                <a16:creationId xmlns:a16="http://schemas.microsoft.com/office/drawing/2014/main" id="{A97F2C19-DA3E-AE92-49DE-E59B13CE0447}"/>
+                <a16:creationId xmlns:a16="http://schemas.microsoft.com/office/drawing/2014/main" id="{294BEA1B-D388-499D-45DF-9E50B9576411}"/>
               </a:ext>
             </a:extLst>
           </p:cNvPr>
@@ -1949,7 +1949,7 @@
           <a:bodyPr/>
           <a:lstStyle/>
           <a:p>
-            <a:fld id="{1B9A9F7C-0BC1-443B-B088-F2EC4388E818}" type="datetimeFigureOut">
+            <a:fld id="{521D7A2A-DA2A-4E06-AA02-5638010B78FC}" type="datetimeFigureOut">
               <a:rPr lang="zh-CN" altLang="en-US" smtClean="0"/>
               <a:t>2024/3/10</a:t>
             </a:fld>
@@ -1962,7 +1962,7 @@
           <p:cNvPr id="4" name="页脚占位符 3">
             <a:extLst>
               <a:ext uri="{FF2B5EF4-FFF2-40B4-BE49-F238E27FC236}">
-                <a16:creationId xmlns:a16="http://schemas.microsoft.com/office/drawing/2014/main" id="{8E3AD4C7-3728-FDFB-7154-4C6A6BB9E2E3}"/>
+                <a16:creationId xmlns:a16="http://schemas.microsoft.com/office/drawing/2014/main" id="{318A4228-1780-C570-0FD0-26605AC66F28}"/>
               </a:ext>
             </a:extLst>
           </p:cNvPr>
@@ -1987,7 +1987,7 @@
           <p:cNvPr id="5" name="灯片编号占位符 4">
             <a:extLst>
               <a:ext uri="{FF2B5EF4-FFF2-40B4-BE49-F238E27FC236}">
-                <a16:creationId xmlns:a16="http://schemas.microsoft.com/office/drawing/2014/main" id="{3A40B2B5-73BC-A767-2CAF-25591B695E1C}"/>
+                <a16:creationId xmlns:a16="http://schemas.microsoft.com/office/drawing/2014/main" id="{BF88F599-9F7D-510F-76FE-A86267C9D639}"/>
               </a:ext>
             </a:extLst>
           </p:cNvPr>
@@ -2003,7 +2003,7 @@
           <a:bodyPr/>
           <a:lstStyle/>
           <a:p>
-            <a:fld id="{C42EB9C8-295E-4521-98A9-E4B1686B1798}" type="slidenum">
+            <a:fld id="{0AA4AEFB-3C10-4E06-ADE3-2EE48D13F220}" type="slidenum">
               <a:rPr lang="zh-CN" altLang="en-US" smtClean="0"/>
               <a:t>‹#›</a:t>
             </a:fld>
@@ -2014,7 +2014,7 @@
     </p:spTree>
     <p:extLst>
       <p:ext uri="{BB962C8B-B14F-4D97-AF65-F5344CB8AC3E}">
-        <p14:creationId xmlns:p14="http://schemas.microsoft.com/office/powerpoint/2010/main" val="2880096485"/>
+        <p14:creationId xmlns:p14="http://schemas.microsoft.com/office/powerpoint/2010/main" val="1493261245"/>
       </p:ext>
     </p:extLst>
   </p:cSld>
@@ -2046,7 +2046,7 @@
           <p:cNvPr id="2" name="日期占位符 1">
             <a:extLst>
               <a:ext uri="{FF2B5EF4-FFF2-40B4-BE49-F238E27FC236}">
-                <a16:creationId xmlns:a16="http://schemas.microsoft.com/office/drawing/2014/main" id="{01C4CD1D-5644-4057-4E8C-9003F47D6905}"/>
+                <a16:creationId xmlns:a16="http://schemas.microsoft.com/office/drawing/2014/main" id="{56C59069-11F6-5B43-7B65-DA4FD1C866B0}"/>
               </a:ext>
             </a:extLst>
           </p:cNvPr>
@@ -2062,7 +2062,7 @@
           <a:bodyPr/>
           <a:lstStyle/>
           <a:p>
-            <a:fld id="{1B9A9F7C-0BC1-443B-B088-F2EC4388E818}" type="datetimeFigureOut">
+            <a:fld id="{521D7A2A-DA2A-4E06-AA02-5638010B78FC}" type="datetimeFigureOut">
               <a:rPr lang="zh-CN" altLang="en-US" smtClean="0"/>
               <a:t>2024/3/10</a:t>
             </a:fld>
@@ -2075,7 +2075,7 @@
           <p:cNvPr id="3" name="页脚占位符 2">
             <a:extLst>
               <a:ext uri="{FF2B5EF4-FFF2-40B4-BE49-F238E27FC236}">
-                <a16:creationId xmlns:a16="http://schemas.microsoft.com/office/drawing/2014/main" id="{FB69A5DE-F719-C553-1D27-9E6EB6CA2ED5}"/>
+                <a16:creationId xmlns:a16="http://schemas.microsoft.com/office/drawing/2014/main" id="{4443EB11-EBB6-D17E-9608-1938D1CA100F}"/>
               </a:ext>
             </a:extLst>
           </p:cNvPr>
@@ -2100,7 +2100,7 @@
           <p:cNvPr id="4" name="灯片编号占位符 3">
             <a:extLst>
               <a:ext uri="{FF2B5EF4-FFF2-40B4-BE49-F238E27FC236}">
-                <a16:creationId xmlns:a16="http://schemas.microsoft.com/office/drawing/2014/main" id="{74342BF1-B5B3-2B35-59BC-C69012D1A074}"/>
+                <a16:creationId xmlns:a16="http://schemas.microsoft.com/office/drawing/2014/main" id="{A5A90F67-8A7C-0C74-F26C-D9264EA92509}"/>
               </a:ext>
             </a:extLst>
           </p:cNvPr>
@@ -2116,7 +2116,7 @@
           <a:bodyPr/>
           <a:lstStyle/>
           <a:p>
-            <a:fld id="{C42EB9C8-295E-4521-98A9-E4B1686B1798}" type="slidenum">
+            <a:fld id="{0AA4AEFB-3C10-4E06-ADE3-2EE48D13F220}" type="slidenum">
               <a:rPr lang="zh-CN" altLang="en-US" smtClean="0"/>
               <a:t>‹#›</a:t>
             </a:fld>
@@ -2127,7 +2127,7 @@
     </p:spTree>
     <p:extLst>
       <p:ext uri="{BB962C8B-B14F-4D97-AF65-F5344CB8AC3E}">
-        <p14:creationId xmlns:p14="http://schemas.microsoft.com/office/powerpoint/2010/main" val="1053673193"/>
+        <p14:creationId xmlns:p14="http://schemas.microsoft.com/office/powerpoint/2010/main" val="2551376629"/>
       </p:ext>
     </p:extLst>
   </p:cSld>
@@ -2159,7 +2159,7 @@
           <p:cNvPr id="2" name="标题 1">
             <a:extLst>
               <a:ext uri="{FF2B5EF4-FFF2-40B4-BE49-F238E27FC236}">
-                <a16:creationId xmlns:a16="http://schemas.microsoft.com/office/drawing/2014/main" id="{3162EF50-47D9-E14B-F56B-E96BE1E404F9}"/>
+                <a16:creationId xmlns:a16="http://schemas.microsoft.com/office/drawing/2014/main" id="{84040E03-F399-0714-79D8-067173C5E741}"/>
               </a:ext>
             </a:extLst>
           </p:cNvPr>
@@ -2196,7 +2196,7 @@
           <p:cNvPr id="3" name="内容占位符 2">
             <a:extLst>
               <a:ext uri="{FF2B5EF4-FFF2-40B4-BE49-F238E27FC236}">
-                <a16:creationId xmlns:a16="http://schemas.microsoft.com/office/drawing/2014/main" id="{BEE98CB4-5C08-0A99-A791-0174DE06C471}"/>
+                <a16:creationId xmlns:a16="http://schemas.microsoft.com/office/drawing/2014/main" id="{5F311047-2803-3D98-409D-9D393C7DF16C}"/>
               </a:ext>
             </a:extLst>
           </p:cNvPr>
@@ -2286,7 +2286,7 @@
           <p:cNvPr id="4" name="文本占位符 3">
             <a:extLst>
               <a:ext uri="{FF2B5EF4-FFF2-40B4-BE49-F238E27FC236}">
-                <a16:creationId xmlns:a16="http://schemas.microsoft.com/office/drawing/2014/main" id="{1AF3BD57-4BE1-DD4C-01E5-123E61CDD9B4}"/>
+                <a16:creationId xmlns:a16="http://schemas.microsoft.com/office/drawing/2014/main" id="{1071E86A-6D5C-B6AC-BAFB-0D5EF59155B1}"/>
               </a:ext>
             </a:extLst>
           </p:cNvPr>
@@ -2357,7 +2357,7 @@
           <p:cNvPr id="5" name="日期占位符 4">
             <a:extLst>
               <a:ext uri="{FF2B5EF4-FFF2-40B4-BE49-F238E27FC236}">
-                <a16:creationId xmlns:a16="http://schemas.microsoft.com/office/drawing/2014/main" id="{09029F2B-7585-6655-AF84-D21E312E1CC4}"/>
+                <a16:creationId xmlns:a16="http://schemas.microsoft.com/office/drawing/2014/main" id="{9B5DD143-92ED-E7B6-48DB-D6716E53424E}"/>
               </a:ext>
             </a:extLst>
           </p:cNvPr>
@@ -2373,7 +2373,7 @@
           <a:bodyPr/>
           <a:lstStyle/>
           <a:p>
-            <a:fld id="{1B9A9F7C-0BC1-443B-B088-F2EC4388E818}" type="datetimeFigureOut">
+            <a:fld id="{521D7A2A-DA2A-4E06-AA02-5638010B78FC}" type="datetimeFigureOut">
               <a:rPr lang="zh-CN" altLang="en-US" smtClean="0"/>
               <a:t>2024/3/10</a:t>
             </a:fld>
@@ -2386,7 +2386,7 @@
           <p:cNvPr id="6" name="页脚占位符 5">
             <a:extLst>
               <a:ext uri="{FF2B5EF4-FFF2-40B4-BE49-F238E27FC236}">
-                <a16:creationId xmlns:a16="http://schemas.microsoft.com/office/drawing/2014/main" id="{5E4E45FD-6505-A6F1-F864-A1252DC37FD4}"/>
+                <a16:creationId xmlns:a16="http://schemas.microsoft.com/office/drawing/2014/main" id="{9570B619-C57F-711D-7B2F-1C5B9EEE2081}"/>
               </a:ext>
             </a:extLst>
           </p:cNvPr>
@@ -2411,7 +2411,7 @@
           <p:cNvPr id="7" name="灯片编号占位符 6">
             <a:extLst>
               <a:ext uri="{FF2B5EF4-FFF2-40B4-BE49-F238E27FC236}">
-                <a16:creationId xmlns:a16="http://schemas.microsoft.com/office/drawing/2014/main" id="{1B02B2D4-32BE-0E17-5D0C-2E7C79FA6096}"/>
+                <a16:creationId xmlns:a16="http://schemas.microsoft.com/office/drawing/2014/main" id="{F92295FA-5B2A-79C9-3599-88A5E7476423}"/>
               </a:ext>
             </a:extLst>
           </p:cNvPr>
@@ -2427,7 +2427,7 @@
           <a:bodyPr/>
           <a:lstStyle/>
           <a:p>
-            <a:fld id="{C42EB9C8-295E-4521-98A9-E4B1686B1798}" type="slidenum">
+            <a:fld id="{0AA4AEFB-3C10-4E06-ADE3-2EE48D13F220}" type="slidenum">
               <a:rPr lang="zh-CN" altLang="en-US" smtClean="0"/>
               <a:t>‹#›</a:t>
             </a:fld>
@@ -2438,7 +2438,7 @@
     </p:spTree>
     <p:extLst>
       <p:ext uri="{BB962C8B-B14F-4D97-AF65-F5344CB8AC3E}">
-        <p14:creationId xmlns:p14="http://schemas.microsoft.com/office/powerpoint/2010/main" val="1550773469"/>
+        <p14:creationId xmlns:p14="http://schemas.microsoft.com/office/powerpoint/2010/main" val="4231920657"/>
       </p:ext>
     </p:extLst>
   </p:cSld>
@@ -2470,7 +2470,7 @@
           <p:cNvPr id="2" name="标题 1">
             <a:extLst>
               <a:ext uri="{FF2B5EF4-FFF2-40B4-BE49-F238E27FC236}">
-                <a16:creationId xmlns:a16="http://schemas.microsoft.com/office/drawing/2014/main" id="{E2CCF0D4-DF15-BB39-B285-82F9854D102B}"/>
+                <a16:creationId xmlns:a16="http://schemas.microsoft.com/office/drawing/2014/main" id="{970EFE04-617C-369F-CEBD-72DD460C3379}"/>
               </a:ext>
             </a:extLst>
           </p:cNvPr>
@@ -2507,7 +2507,7 @@
           <p:cNvPr id="3" name="图片占位符 2">
             <a:extLst>
               <a:ext uri="{FF2B5EF4-FFF2-40B4-BE49-F238E27FC236}">
-                <a16:creationId xmlns:a16="http://schemas.microsoft.com/office/drawing/2014/main" id="{2D7D8324-3362-A50B-E3DD-88E170DD90FF}"/>
+                <a16:creationId xmlns:a16="http://schemas.microsoft.com/office/drawing/2014/main" id="{434A4E48-89C4-F2E2-FD16-474742B9A1F1}"/>
               </a:ext>
             </a:extLst>
           </p:cNvPr>
@@ -2574,7 +2574,7 @@
           <p:cNvPr id="4" name="文本占位符 3">
             <a:extLst>
               <a:ext uri="{FF2B5EF4-FFF2-40B4-BE49-F238E27FC236}">
-                <a16:creationId xmlns:a16="http://schemas.microsoft.com/office/drawing/2014/main" id="{195A4828-89E4-5A47-D75E-9E2F37307B96}"/>
+                <a16:creationId xmlns:a16="http://schemas.microsoft.com/office/drawing/2014/main" id="{D4234454-D43B-FAA0-25CC-148BD5FF3437}"/>
               </a:ext>
             </a:extLst>
           </p:cNvPr>
@@ -2645,7 +2645,7 @@
           <p:cNvPr id="5" name="日期占位符 4">
             <a:extLst>
               <a:ext uri="{FF2B5EF4-FFF2-40B4-BE49-F238E27FC236}">
-                <a16:creationId xmlns:a16="http://schemas.microsoft.com/office/drawing/2014/main" id="{1D8DD213-FF0F-638E-C640-FF105B45D20C}"/>
+                <a16:creationId xmlns:a16="http://schemas.microsoft.com/office/drawing/2014/main" id="{B18266ED-4453-3A48-82EB-74D67446242E}"/>
               </a:ext>
             </a:extLst>
           </p:cNvPr>
@@ -2661,7 +2661,7 @@
           <a:bodyPr/>
           <a:lstStyle/>
           <a:p>
-            <a:fld id="{1B9A9F7C-0BC1-443B-B088-F2EC4388E818}" type="datetimeFigureOut">
+            <a:fld id="{521D7A2A-DA2A-4E06-AA02-5638010B78FC}" type="datetimeFigureOut">
               <a:rPr lang="zh-CN" altLang="en-US" smtClean="0"/>
               <a:t>2024/3/10</a:t>
             </a:fld>
@@ -2674,7 +2674,7 @@
           <p:cNvPr id="6" name="页脚占位符 5">
             <a:extLst>
               <a:ext uri="{FF2B5EF4-FFF2-40B4-BE49-F238E27FC236}">
-                <a16:creationId xmlns:a16="http://schemas.microsoft.com/office/drawing/2014/main" id="{7FCDDFAA-BBF7-DFA9-8BF8-D0574966BB15}"/>
+                <a16:creationId xmlns:a16="http://schemas.microsoft.com/office/drawing/2014/main" id="{97A9DE4F-F052-4AE3-F700-E5B59575FD4A}"/>
               </a:ext>
             </a:extLst>
           </p:cNvPr>
@@ -2699,7 +2699,7 @@
           <p:cNvPr id="7" name="灯片编号占位符 6">
             <a:extLst>
               <a:ext uri="{FF2B5EF4-FFF2-40B4-BE49-F238E27FC236}">
-                <a16:creationId xmlns:a16="http://schemas.microsoft.com/office/drawing/2014/main" id="{D3D6F21A-A478-693B-BBB6-1937B676C022}"/>
+                <a16:creationId xmlns:a16="http://schemas.microsoft.com/office/drawing/2014/main" id="{6BF378E0-1755-5562-641F-38F315909918}"/>
               </a:ext>
             </a:extLst>
           </p:cNvPr>
@@ -2715,7 +2715,7 @@
           <a:bodyPr/>
           <a:lstStyle/>
           <a:p>
-            <a:fld id="{C42EB9C8-295E-4521-98A9-E4B1686B1798}" type="slidenum">
+            <a:fld id="{0AA4AEFB-3C10-4E06-ADE3-2EE48D13F220}" type="slidenum">
               <a:rPr lang="zh-CN" altLang="en-US" smtClean="0"/>
               <a:t>‹#›</a:t>
             </a:fld>
@@ -2726,7 +2726,7 @@
     </p:spTree>
     <p:extLst>
       <p:ext uri="{BB962C8B-B14F-4D97-AF65-F5344CB8AC3E}">
-        <p14:creationId xmlns:p14="http://schemas.microsoft.com/office/powerpoint/2010/main" val="3606104408"/>
+        <p14:creationId xmlns:p14="http://schemas.microsoft.com/office/powerpoint/2010/main" val="3651303085"/>
       </p:ext>
     </p:extLst>
   </p:cSld>
@@ -2763,7 +2763,7 @@
           <p:cNvPr id="2" name="标题占位符 1">
             <a:extLst>
               <a:ext uri="{FF2B5EF4-FFF2-40B4-BE49-F238E27FC236}">
-                <a16:creationId xmlns:a16="http://schemas.microsoft.com/office/drawing/2014/main" id="{31E6B725-47AA-69D5-3AE5-D6CB71D221A0}"/>
+                <a16:creationId xmlns:a16="http://schemas.microsoft.com/office/drawing/2014/main" id="{E06699DA-CFD7-DB5E-9144-3BAE21A09EAA}"/>
               </a:ext>
             </a:extLst>
           </p:cNvPr>
@@ -2801,7 +2801,7 @@
           <p:cNvPr id="3" name="文本占位符 2">
             <a:extLst>
               <a:ext uri="{FF2B5EF4-FFF2-40B4-BE49-F238E27FC236}">
-                <a16:creationId xmlns:a16="http://schemas.microsoft.com/office/drawing/2014/main" id="{C8FC0A8F-D206-25A3-A95B-FD2A09BD092E}"/>
+                <a16:creationId xmlns:a16="http://schemas.microsoft.com/office/drawing/2014/main" id="{8FD1515F-B837-9BF7-859A-66A8CD798D37}"/>
               </a:ext>
             </a:extLst>
           </p:cNvPr>
@@ -2868,7 +2868,7 @@
           <p:cNvPr id="4" name="日期占位符 3">
             <a:extLst>
               <a:ext uri="{FF2B5EF4-FFF2-40B4-BE49-F238E27FC236}">
-                <a16:creationId xmlns:a16="http://schemas.microsoft.com/office/drawing/2014/main" id="{8A3D2C7A-DCAB-329D-69B8-32B0C06A4BF0}"/>
+                <a16:creationId xmlns:a16="http://schemas.microsoft.com/office/drawing/2014/main" id="{C72EF87D-F9DC-DDA0-63B5-8D52531254F5}"/>
               </a:ext>
             </a:extLst>
           </p:cNvPr>
@@ -2902,7 +2902,7 @@
             </a:lvl1pPr>
           </a:lstStyle>
           <a:p>
-            <a:fld id="{1B9A9F7C-0BC1-443B-B088-F2EC4388E818}" type="datetimeFigureOut">
+            <a:fld id="{521D7A2A-DA2A-4E06-AA02-5638010B78FC}" type="datetimeFigureOut">
               <a:rPr lang="zh-CN" altLang="en-US" smtClean="0"/>
               <a:t>2024/3/10</a:t>
             </a:fld>
@@ -2915,7 +2915,7 @@
           <p:cNvPr id="5" name="页脚占位符 4">
             <a:extLst>
               <a:ext uri="{FF2B5EF4-FFF2-40B4-BE49-F238E27FC236}">
-                <a16:creationId xmlns:a16="http://schemas.microsoft.com/office/drawing/2014/main" id="{B05FC205-15B6-BFDB-B630-C238E3C52AC9}"/>
+                <a16:creationId xmlns:a16="http://schemas.microsoft.com/office/drawing/2014/main" id="{73372BE7-ECE3-C5BE-2CE1-DA6C1DBB8051}"/>
               </a:ext>
             </a:extLst>
           </p:cNvPr>
@@ -2958,7 +2958,7 @@
           <p:cNvPr id="6" name="灯片编号占位符 5">
             <a:extLst>
               <a:ext uri="{FF2B5EF4-FFF2-40B4-BE49-F238E27FC236}">
-                <a16:creationId xmlns:a16="http://schemas.microsoft.com/office/drawing/2014/main" id="{56B1713C-347A-4F60-012D-8C12D9434B30}"/>
+                <a16:creationId xmlns:a16="http://schemas.microsoft.com/office/drawing/2014/main" id="{040732F6-8C39-2A98-C249-2A1DC95B2364}"/>
               </a:ext>
             </a:extLst>
           </p:cNvPr>
@@ -2992,7 +2992,7 @@
             </a:lvl1pPr>
           </a:lstStyle>
           <a:p>
-            <a:fld id="{C42EB9C8-295E-4521-98A9-E4B1686B1798}" type="slidenum">
+            <a:fld id="{0AA4AEFB-3C10-4E06-ADE3-2EE48D13F220}" type="slidenum">
               <a:rPr lang="zh-CN" altLang="en-US" smtClean="0"/>
               <a:t>‹#›</a:t>
             </a:fld>
@@ -3003,7 +3003,7 @@
     </p:spTree>
     <p:extLst>
       <p:ext uri="{BB962C8B-B14F-4D97-AF65-F5344CB8AC3E}">
-        <p14:creationId xmlns:p14="http://schemas.microsoft.com/office/powerpoint/2010/main" val="478143534"/>
+        <p14:creationId xmlns:p14="http://schemas.microsoft.com/office/powerpoint/2010/main" val="2110569718"/>
       </p:ext>
     </p:extLst>
   </p:cSld>
